--- a/Daily Agendas/Day11.3_TextFileHandling.pptx
+++ b/Daily Agendas/Day11.3_TextFileHandling.pptx
@@ -3073,19 +3073,7 @@
           <a:p>
             <a:r>
               <a:rPr lang="en-US" dirty="0" smtClean="0"/>
-              <a:t>B.4 Python File Handling – </a:t>
-            </a:r>
-            <a:r>
-              <a:rPr lang="en-US" dirty="0" smtClean="0"/>
-              <a:t>Apr </a:t>
-            </a:r>
-            <a:r>
-              <a:rPr lang="en-US" dirty="0" smtClean="0"/>
-              <a:t>24</a:t>
-            </a:r>
-            <a:r>
-              <a:rPr lang="en-US" dirty="0" smtClean="0"/>
-              <a:t/>
+              <a:t>B.4 Python File Handling – Apr 24</a:t>
             </a:r>
             <a:br>
               <a:rPr lang="en-US" dirty="0" smtClean="0"/>
@@ -3107,7 +3095,7 @@
         <p:spPr/>
         <p:txBody>
           <a:bodyPr>
-            <a:normAutofit fontScale="92500" lnSpcReduction="10000"/>
+            <a:normAutofit fontScale="92500" lnSpcReduction="20000"/>
           </a:bodyPr>
           <a:lstStyle/>
           <a:p>
@@ -3129,7 +3117,6 @@
               <a:rPr lang="en-CA" dirty="0" smtClean="0"/>
               <a:t>Demo basics of Python File Handling</a:t>
             </a:r>
-            <a:endParaRPr lang="en-CA" dirty="0" smtClean="0"/>
           </a:p>
           <a:p>
             <a:pPr lvl="1"/>
@@ -3143,11 +3130,7 @@
             <a:pPr lvl="2"/>
             <a:r>
               <a:rPr lang="en-CA" dirty="0" smtClean="0"/>
-              <a:t>Level 1 &amp; 2 </a:t>
-            </a:r>
-            <a:r>
-              <a:rPr lang="en-CA" dirty="0" smtClean="0"/>
-              <a:t>(Today)</a:t>
+              <a:t>Level 1 &amp; 2 (Today)</a:t>
             </a:r>
           </a:p>
           <a:p>
@@ -3156,7 +3139,6 @@
               <a:rPr lang="en-CA" dirty="0" smtClean="0"/>
               <a:t>Level 3  (TBD Tomorrow)</a:t>
             </a:r>
-            <a:endParaRPr lang="en-CA" dirty="0" smtClean="0"/>
           </a:p>
           <a:p>
             <a:pPr lvl="1">
@@ -3183,9 +3165,37 @@
               <a:t>Ongoing: C.4 Virus Presentations </a:t>
             </a:r>
             <a:r>
-              <a:rPr lang="en-CA" dirty="0"/>
-              <a:t>one-by-one </a:t>
-            </a:r>
+              <a:rPr lang="en-CA" dirty="0" smtClean="0"/>
+              <a:t>one-by-one</a:t>
+            </a:r>
+          </a:p>
+          <a:p>
+            <a:pPr lvl="3"/>
+            <a:r>
+              <a:rPr lang="en-CA" dirty="0" err="1" smtClean="0"/>
+              <a:t>Jaskaran</a:t>
+            </a:r>
+            <a:r>
+              <a:rPr lang="en-CA" dirty="0" smtClean="0"/>
+              <a:t> (Thursday), </a:t>
+            </a:r>
+            <a:r>
+              <a:rPr lang="en-CA" dirty="0" err="1" smtClean="0"/>
+              <a:t>Gursimrat</a:t>
+            </a:r>
+            <a:r>
+              <a:rPr lang="en-CA" dirty="0" smtClean="0"/>
+              <a:t> </a:t>
+            </a:r>
+            <a:r>
+              <a:rPr lang="en-CA" smtClean="0"/>
+              <a:t>(Friday)</a:t>
+            </a:r>
+            <a:r>
+              <a:rPr lang="en-CA" smtClean="0"/>
+              <a:t> </a:t>
+            </a:r>
+            <a:endParaRPr lang="en-CA" dirty="0"/>
           </a:p>
         </p:txBody>
       </p:sp>
